--- a/Final Report/block diagram.pptx
+++ b/Final Report/block diagram.pptx
@@ -104,6 +104,11 @@
       </a:defRPr>
     </a:lvl9pPr>
   </p:defaultTextStyle>
+  <p:extLst>
+    <p:ext uri="{EFAFB233-063F-42B5-8137-9DF3F51BA10A}">
+      <p15:sldGuideLst xmlns:p15="http://schemas.microsoft.com/office/powerpoint/2012/main"/>
+    </p:ext>
+  </p:extLst>
 </p:presentation>
 </file>
 
@@ -240,7 +245,7 @@
               <a:rPr lang="en-GB" smtClean="0"/>
               <a:t>11/06/2017</a:t>
             </a:fld>
-            <a:endParaRPr lang="en-GB"/>
+            <a:endParaRPr lang="en-GB" dirty="0"/>
           </a:p>
         </p:txBody>
       </p:sp>
@@ -259,7 +264,7 @@
           <a:bodyPr/>
           <a:lstStyle/>
           <a:p>
-            <a:endParaRPr lang="en-GB"/>
+            <a:endParaRPr lang="en-GB" dirty="0"/>
           </a:p>
         </p:txBody>
       </p:sp>
@@ -282,7 +287,7 @@
               <a:rPr lang="en-GB" smtClean="0"/>
               <a:t>‹#›</a:t>
             </a:fld>
-            <a:endParaRPr lang="en-GB"/>
+            <a:endParaRPr lang="en-GB" dirty="0"/>
           </a:p>
         </p:txBody>
       </p:sp>
@@ -410,7 +415,7 @@
               <a:rPr lang="en-GB" smtClean="0"/>
               <a:t>11/06/2017</a:t>
             </a:fld>
-            <a:endParaRPr lang="en-GB"/>
+            <a:endParaRPr lang="en-GB" dirty="0"/>
           </a:p>
         </p:txBody>
       </p:sp>
@@ -429,7 +434,7 @@
           <a:bodyPr/>
           <a:lstStyle/>
           <a:p>
-            <a:endParaRPr lang="en-GB"/>
+            <a:endParaRPr lang="en-GB" dirty="0"/>
           </a:p>
         </p:txBody>
       </p:sp>
@@ -452,7 +457,7 @@
               <a:rPr lang="en-GB" smtClean="0"/>
               <a:t>‹#›</a:t>
             </a:fld>
-            <a:endParaRPr lang="en-GB"/>
+            <a:endParaRPr lang="en-GB" dirty="0"/>
           </a:p>
         </p:txBody>
       </p:sp>
@@ -590,7 +595,7 @@
               <a:rPr lang="en-GB" smtClean="0"/>
               <a:t>11/06/2017</a:t>
             </a:fld>
-            <a:endParaRPr lang="en-GB"/>
+            <a:endParaRPr lang="en-GB" dirty="0"/>
           </a:p>
         </p:txBody>
       </p:sp>
@@ -609,7 +614,7 @@
           <a:bodyPr/>
           <a:lstStyle/>
           <a:p>
-            <a:endParaRPr lang="en-GB"/>
+            <a:endParaRPr lang="en-GB" dirty="0"/>
           </a:p>
         </p:txBody>
       </p:sp>
@@ -632,7 +637,7 @@
               <a:rPr lang="en-GB" smtClean="0"/>
               <a:t>‹#›</a:t>
             </a:fld>
-            <a:endParaRPr lang="en-GB"/>
+            <a:endParaRPr lang="en-GB" dirty="0"/>
           </a:p>
         </p:txBody>
       </p:sp>
@@ -760,7 +765,7 @@
               <a:rPr lang="en-GB" smtClean="0"/>
               <a:t>11/06/2017</a:t>
             </a:fld>
-            <a:endParaRPr lang="en-GB"/>
+            <a:endParaRPr lang="en-GB" dirty="0"/>
           </a:p>
         </p:txBody>
       </p:sp>
@@ -779,7 +784,7 @@
           <a:bodyPr/>
           <a:lstStyle/>
           <a:p>
-            <a:endParaRPr lang="en-GB"/>
+            <a:endParaRPr lang="en-GB" dirty="0"/>
           </a:p>
         </p:txBody>
       </p:sp>
@@ -802,7 +807,7 @@
               <a:rPr lang="en-GB" smtClean="0"/>
               <a:t>‹#›</a:t>
             </a:fld>
-            <a:endParaRPr lang="en-GB"/>
+            <a:endParaRPr lang="en-GB" dirty="0"/>
           </a:p>
         </p:txBody>
       </p:sp>
@@ -1006,7 +1011,7 @@
               <a:rPr lang="en-GB" smtClean="0"/>
               <a:t>11/06/2017</a:t>
             </a:fld>
-            <a:endParaRPr lang="en-GB"/>
+            <a:endParaRPr lang="en-GB" dirty="0"/>
           </a:p>
         </p:txBody>
       </p:sp>
@@ -1025,7 +1030,7 @@
           <a:bodyPr/>
           <a:lstStyle/>
           <a:p>
-            <a:endParaRPr lang="en-GB"/>
+            <a:endParaRPr lang="en-GB" dirty="0"/>
           </a:p>
         </p:txBody>
       </p:sp>
@@ -1048,7 +1053,7 @@
               <a:rPr lang="en-GB" smtClean="0"/>
               <a:t>‹#›</a:t>
             </a:fld>
-            <a:endParaRPr lang="en-GB"/>
+            <a:endParaRPr lang="en-GB" dirty="0"/>
           </a:p>
         </p:txBody>
       </p:sp>
@@ -1238,7 +1243,7 @@
               <a:rPr lang="en-GB" smtClean="0"/>
               <a:t>11/06/2017</a:t>
             </a:fld>
-            <a:endParaRPr lang="en-GB"/>
+            <a:endParaRPr lang="en-GB" dirty="0"/>
           </a:p>
         </p:txBody>
       </p:sp>
@@ -1257,7 +1262,7 @@
           <a:bodyPr/>
           <a:lstStyle/>
           <a:p>
-            <a:endParaRPr lang="en-GB"/>
+            <a:endParaRPr lang="en-GB" dirty="0"/>
           </a:p>
         </p:txBody>
       </p:sp>
@@ -1280,7 +1285,7 @@
               <a:rPr lang="en-GB" smtClean="0"/>
               <a:t>‹#›</a:t>
             </a:fld>
-            <a:endParaRPr lang="en-GB"/>
+            <a:endParaRPr lang="en-GB" dirty="0"/>
           </a:p>
         </p:txBody>
       </p:sp>
@@ -1605,7 +1610,7 @@
               <a:rPr lang="en-GB" smtClean="0"/>
               <a:t>11/06/2017</a:t>
             </a:fld>
-            <a:endParaRPr lang="en-GB"/>
+            <a:endParaRPr lang="en-GB" dirty="0"/>
           </a:p>
         </p:txBody>
       </p:sp>
@@ -1624,7 +1629,7 @@
           <a:bodyPr/>
           <a:lstStyle/>
           <a:p>
-            <a:endParaRPr lang="en-GB"/>
+            <a:endParaRPr lang="en-GB" dirty="0"/>
           </a:p>
         </p:txBody>
       </p:sp>
@@ -1647,7 +1652,7 @@
               <a:rPr lang="en-GB" smtClean="0"/>
               <a:t>‹#›</a:t>
             </a:fld>
-            <a:endParaRPr lang="en-GB"/>
+            <a:endParaRPr lang="en-GB" dirty="0"/>
           </a:p>
         </p:txBody>
       </p:sp>
@@ -1723,7 +1728,7 @@
               <a:rPr lang="en-GB" smtClean="0"/>
               <a:t>11/06/2017</a:t>
             </a:fld>
-            <a:endParaRPr lang="en-GB"/>
+            <a:endParaRPr lang="en-GB" dirty="0"/>
           </a:p>
         </p:txBody>
       </p:sp>
@@ -1742,7 +1747,7 @@
           <a:bodyPr/>
           <a:lstStyle/>
           <a:p>
-            <a:endParaRPr lang="en-GB"/>
+            <a:endParaRPr lang="en-GB" dirty="0"/>
           </a:p>
         </p:txBody>
       </p:sp>
@@ -1765,7 +1770,7 @@
               <a:rPr lang="en-GB" smtClean="0"/>
               <a:t>‹#›</a:t>
             </a:fld>
-            <a:endParaRPr lang="en-GB"/>
+            <a:endParaRPr lang="en-GB" dirty="0"/>
           </a:p>
         </p:txBody>
       </p:sp>
@@ -1818,7 +1823,7 @@
               <a:rPr lang="en-GB" smtClean="0"/>
               <a:t>11/06/2017</a:t>
             </a:fld>
-            <a:endParaRPr lang="en-GB"/>
+            <a:endParaRPr lang="en-GB" dirty="0"/>
           </a:p>
         </p:txBody>
       </p:sp>
@@ -1837,7 +1842,7 @@
           <a:bodyPr/>
           <a:lstStyle/>
           <a:p>
-            <a:endParaRPr lang="en-GB"/>
+            <a:endParaRPr lang="en-GB" dirty="0"/>
           </a:p>
         </p:txBody>
       </p:sp>
@@ -1860,7 +1865,7 @@
               <a:rPr lang="en-GB" smtClean="0"/>
               <a:t>‹#›</a:t>
             </a:fld>
-            <a:endParaRPr lang="en-GB"/>
+            <a:endParaRPr lang="en-GB" dirty="0"/>
           </a:p>
         </p:txBody>
       </p:sp>
@@ -2095,7 +2100,7 @@
               <a:rPr lang="en-GB" smtClean="0"/>
               <a:t>11/06/2017</a:t>
             </a:fld>
-            <a:endParaRPr lang="en-GB"/>
+            <a:endParaRPr lang="en-GB" dirty="0"/>
           </a:p>
         </p:txBody>
       </p:sp>
@@ -2114,7 +2119,7 @@
           <a:bodyPr/>
           <a:lstStyle/>
           <a:p>
-            <a:endParaRPr lang="en-GB"/>
+            <a:endParaRPr lang="en-GB" dirty="0"/>
           </a:p>
         </p:txBody>
       </p:sp>
@@ -2137,7 +2142,7 @@
               <a:rPr lang="en-GB" smtClean="0"/>
               <a:t>‹#›</a:t>
             </a:fld>
-            <a:endParaRPr lang="en-GB"/>
+            <a:endParaRPr lang="en-GB" dirty="0"/>
           </a:p>
         </p:txBody>
       </p:sp>
@@ -2260,7 +2265,7 @@
             </a:lvl9pPr>
           </a:lstStyle>
           <a:p>
-            <a:endParaRPr lang="en-GB"/>
+            <a:endParaRPr lang="en-GB" dirty="0"/>
           </a:p>
         </p:txBody>
       </p:sp>
@@ -2348,7 +2353,7 @@
               <a:rPr lang="en-GB" smtClean="0"/>
               <a:t>11/06/2017</a:t>
             </a:fld>
-            <a:endParaRPr lang="en-GB"/>
+            <a:endParaRPr lang="en-GB" dirty="0"/>
           </a:p>
         </p:txBody>
       </p:sp>
@@ -2367,7 +2372,7 @@
           <a:bodyPr/>
           <a:lstStyle/>
           <a:p>
-            <a:endParaRPr lang="en-GB"/>
+            <a:endParaRPr lang="en-GB" dirty="0"/>
           </a:p>
         </p:txBody>
       </p:sp>
@@ -2390,7 +2395,7 @@
               <a:rPr lang="en-GB" smtClean="0"/>
               <a:t>‹#›</a:t>
             </a:fld>
-            <a:endParaRPr lang="en-GB"/>
+            <a:endParaRPr lang="en-GB" dirty="0"/>
           </a:p>
         </p:txBody>
       </p:sp>
@@ -2561,7 +2566,7 @@
               <a:rPr lang="en-GB" smtClean="0"/>
               <a:t>11/06/2017</a:t>
             </a:fld>
-            <a:endParaRPr lang="en-GB"/>
+            <a:endParaRPr lang="en-GB" dirty="0"/>
           </a:p>
         </p:txBody>
       </p:sp>
@@ -2598,7 +2603,7 @@
             </a:lvl1pPr>
           </a:lstStyle>
           <a:p>
-            <a:endParaRPr lang="en-GB"/>
+            <a:endParaRPr lang="en-GB" dirty="0"/>
           </a:p>
         </p:txBody>
       </p:sp>
@@ -2639,7 +2644,7 @@
               <a:rPr lang="en-GB" smtClean="0"/>
               <a:t>‹#›</a:t>
             </a:fld>
-            <a:endParaRPr lang="en-GB"/>
+            <a:endParaRPr lang="en-GB" dirty="0"/>
           </a:p>
         </p:txBody>
       </p:sp>
@@ -2972,7 +2977,7 @@
         </p:nvSpPr>
         <p:spPr>
           <a:xfrm>
-            <a:off x="1286819" y="781565"/>
+            <a:off x="2302765" y="741036"/>
             <a:ext cx="778476" cy="923330"/>
           </a:xfrm>
           <a:prstGeom prst="rect">
@@ -3007,8 +3012,8 @@
           </a:p>
         </p:txBody>
       </p:sp>
-      <mc:AlternateContent xmlns:mc="http://schemas.openxmlformats.org/markup-compatibility/2006">
-        <mc:Choice xmlns:a14="http://schemas.microsoft.com/office/drawing/2010/main" Requires="a14">
+      <mc:AlternateContent xmlns:mc="http://schemas.openxmlformats.org/markup-compatibility/2006" xmlns:a14="http://schemas.microsoft.com/office/drawing/2010/main">
+        <mc:Choice Requires="a14">
           <p:sp>
             <p:nvSpPr>
               <p:cNvPr id="6" name="TextBox 5"/>
@@ -3017,7 +3022,7 @@
             </p:nvSpPr>
             <p:spPr>
               <a:xfrm>
-                <a:off x="626555" y="865832"/>
+                <a:off x="1662371" y="790802"/>
                 <a:ext cx="627017" cy="369332"/>
               </a:xfrm>
               <a:prstGeom prst="rect">
@@ -3031,6 +3036,7 @@
               </a:bodyPr>
               <a:lstStyle/>
               <a:p>
+                <a:pPr/>
                 <a14:m>
                   <m:oMathPara xmlns:m="http://schemas.openxmlformats.org/officeDocument/2006/math">
                     <m:oMathParaPr>
@@ -3069,7 +3075,7 @@
             </p:txBody>
           </p:sp>
         </mc:Choice>
-        <mc:Fallback>
+        <mc:Fallback xmlns="">
           <p:sp>
             <p:nvSpPr>
               <p:cNvPr id="6" name="TextBox 5"/>
@@ -3080,7 +3086,7 @@
             </p:nvSpPr>
             <p:spPr>
               <a:xfrm>
-                <a:off x="626555" y="865832"/>
+                <a:off x="1662371" y="790802"/>
                 <a:ext cx="627017" cy="369332"/>
               </a:xfrm>
               <a:prstGeom prst="rect">
@@ -3089,7 +3095,7 @@
               <a:blipFill rotWithShape="0">
                 <a:blip r:embed="rId2"/>
                 <a:stretch>
-                  <a:fillRect r="-5825" b="-13115"/>
+                  <a:fillRect r="-5825" b="-13333"/>
                 </a:stretch>
               </a:blipFill>
             </p:spPr>
@@ -3118,7 +3124,7 @@
         </p:nvCxnSpPr>
         <p:spPr>
           <a:xfrm>
-            <a:off x="659802" y="1243230"/>
+            <a:off x="1675748" y="1202701"/>
             <a:ext cx="627017" cy="0"/>
           </a:xfrm>
           <a:prstGeom prst="straightConnector1">
@@ -3146,8 +3152,8 @@
           </a:fontRef>
         </p:style>
       </p:cxnSp>
-      <mc:AlternateContent xmlns:mc="http://schemas.openxmlformats.org/markup-compatibility/2006">
-        <mc:Choice xmlns:a14="http://schemas.microsoft.com/office/drawing/2010/main" Requires="a14">
+      <mc:AlternateContent xmlns:mc="http://schemas.openxmlformats.org/markup-compatibility/2006" xmlns:a14="http://schemas.microsoft.com/office/drawing/2010/main">
+        <mc:Choice Requires="a14">
           <p:sp>
             <p:nvSpPr>
               <p:cNvPr id="15" name="TextBox 14"/>
@@ -3156,7 +3162,7 @@
             </p:nvSpPr>
             <p:spPr>
               <a:xfrm>
-                <a:off x="2295356" y="633255"/>
+                <a:off x="3238663" y="648333"/>
                 <a:ext cx="837201" cy="369332"/>
               </a:xfrm>
               <a:prstGeom prst="rect">
@@ -3170,6 +3176,7 @@
               </a:bodyPr>
               <a:lstStyle/>
               <a:p>
+                <a:pPr/>
                 <a14:m>
                   <m:oMathPara xmlns:m="http://schemas.openxmlformats.org/officeDocument/2006/math">
                     <m:oMathParaPr>
@@ -3223,7 +3230,7 @@
             </p:txBody>
           </p:sp>
         </mc:Choice>
-        <mc:Fallback>
+        <mc:Fallback xmlns="">
           <p:sp>
             <p:nvSpPr>
               <p:cNvPr id="15" name="TextBox 14"/>
@@ -3234,7 +3241,7 @@
             </p:nvSpPr>
             <p:spPr>
               <a:xfrm>
-                <a:off x="2295356" y="633255"/>
+                <a:off x="3238663" y="648333"/>
                 <a:ext cx="837201" cy="369332"/>
               </a:xfrm>
               <a:prstGeom prst="rect">
@@ -3243,7 +3250,7 @@
               <a:blipFill rotWithShape="0">
                 <a:blip r:embed="rId3"/>
                 <a:stretch>
-                  <a:fillRect r="-7299" b="-13333"/>
+                  <a:fillRect r="-6522" b="-13115"/>
                 </a:stretch>
               </a:blipFill>
             </p:spPr>
@@ -3262,8 +3269,8 @@
           </p:sp>
         </mc:Fallback>
       </mc:AlternateContent>
-      <mc:AlternateContent xmlns:mc="http://schemas.openxmlformats.org/markup-compatibility/2006">
-        <mc:Choice xmlns:a14="http://schemas.microsoft.com/office/drawing/2010/main" Requires="a14">
+      <mc:AlternateContent xmlns:mc="http://schemas.openxmlformats.org/markup-compatibility/2006" xmlns:a14="http://schemas.microsoft.com/office/drawing/2010/main">
+        <mc:Choice Requires="a14">
           <p:sp>
             <p:nvSpPr>
               <p:cNvPr id="16" name="TextBox 15"/>
@@ -3272,7 +3279,7 @@
             </p:nvSpPr>
             <p:spPr>
               <a:xfrm>
-                <a:off x="2058762" y="1528148"/>
+                <a:off x="3283942" y="1451944"/>
                 <a:ext cx="937349" cy="369332"/>
               </a:xfrm>
               <a:prstGeom prst="rect">
@@ -3286,6 +3293,7 @@
               </a:bodyPr>
               <a:lstStyle/>
               <a:p>
+                <a:pPr/>
                 <a14:m>
                   <m:oMathPara xmlns:m="http://schemas.openxmlformats.org/officeDocument/2006/math">
                     <m:oMathParaPr>
@@ -3342,7 +3350,7 @@
             </p:txBody>
           </p:sp>
         </mc:Choice>
-        <mc:Fallback>
+        <mc:Fallback xmlns="">
           <p:sp>
             <p:nvSpPr>
               <p:cNvPr id="16" name="TextBox 15"/>
@@ -3353,7 +3361,7 @@
             </p:nvSpPr>
             <p:spPr>
               <a:xfrm>
-                <a:off x="2058762" y="1528148"/>
+                <a:off x="3283942" y="1451944"/>
                 <a:ext cx="937349" cy="369332"/>
               </a:xfrm>
               <a:prstGeom prst="rect">
@@ -3362,7 +3370,7 @@
               <a:blipFill rotWithShape="0">
                 <a:blip r:embed="rId4"/>
                 <a:stretch>
-                  <a:fillRect l="-1961" r="-11111" b="-13333"/>
+                  <a:fillRect l="-1961" r="-11111" b="-13115"/>
                 </a:stretch>
               </a:blipFill>
             </p:spPr>
@@ -3389,79 +3397,8 @@
         </p:nvCxnSpPr>
         <p:spPr>
           <a:xfrm>
-            <a:off x="2065295" y="1016863"/>
-            <a:ext cx="8170905" cy="873"/>
-          </a:xfrm>
-          <a:prstGeom prst="straightConnector1">
-            <a:avLst/>
-          </a:prstGeom>
-          <a:ln>
-            <a:solidFill>
-              <a:schemeClr val="tx1"/>
-            </a:solidFill>
-            <a:tailEnd type="triangle"/>
-          </a:ln>
-        </p:spPr>
-        <p:style>
-          <a:lnRef idx="1">
-            <a:schemeClr val="accent1"/>
-          </a:lnRef>
-          <a:fillRef idx="0">
-            <a:schemeClr val="accent1"/>
-          </a:fillRef>
-          <a:effectRef idx="0">
-            <a:schemeClr val="accent1"/>
-          </a:effectRef>
-          <a:fontRef idx="minor">
-            <a:schemeClr val="tx1"/>
-          </a:fontRef>
-        </p:style>
-      </p:cxnSp>
-      <p:sp>
-        <p:nvSpPr>
-          <p:cNvPr id="21" name="TextBox 20"/>
-          <p:cNvSpPr txBox="1"/>
-          <p:nvPr/>
-        </p:nvSpPr>
-        <p:spPr>
-          <a:xfrm>
-            <a:off x="3041829" y="1696269"/>
-            <a:ext cx="875212" cy="369332"/>
-          </a:xfrm>
-          <a:prstGeom prst="rect">
-            <a:avLst/>
-          </a:prstGeom>
-          <a:noFill/>
-          <a:ln>
-            <a:solidFill>
-              <a:schemeClr val="tx1"/>
-            </a:solidFill>
-          </a:ln>
-        </p:spPr>
-        <p:txBody>
-          <a:bodyPr wrap="square" rtlCol="0">
-            <a:spAutoFit/>
-          </a:bodyPr>
-          <a:lstStyle/>
-          <a:p>
-            <a:pPr algn="ctr"/>
-            <a:r>
-              <a:rPr lang="en-GB" dirty="0" smtClean="0"/>
-              <a:t>MMSE</a:t>
-            </a:r>
-          </a:p>
-        </p:txBody>
-      </p:sp>
-      <p:cxnSp>
-        <p:nvCxnSpPr>
-          <p:cNvPr id="25" name="Straight Arrow Connector 24"/>
-          <p:cNvCxnSpPr/>
-          <p:nvPr/>
-        </p:nvCxnSpPr>
-        <p:spPr>
-          <a:xfrm>
-            <a:off x="1676057" y="1880935"/>
-            <a:ext cx="1365774" cy="0"/>
+            <a:off x="3087929" y="1013333"/>
+            <a:ext cx="6936823" cy="0"/>
           </a:xfrm>
           <a:prstGeom prst="straightConnector1">
             <a:avLst/>
@@ -3496,8 +3433,8 @@
         </p:nvCxnSpPr>
         <p:spPr>
           <a:xfrm>
-            <a:off x="3926839" y="1850339"/>
-            <a:ext cx="2286000" cy="0"/>
+            <a:off x="2692003" y="1846939"/>
+            <a:ext cx="3304693" cy="0"/>
           </a:xfrm>
           <a:prstGeom prst="straightConnector1">
             <a:avLst/>
@@ -3524,125 +3461,6 @@
           </a:fontRef>
         </p:style>
       </p:cxnSp>
-      <mc:AlternateContent xmlns:mc="http://schemas.openxmlformats.org/markup-compatibility/2006">
-        <mc:Choice xmlns:a14="http://schemas.microsoft.com/office/drawing/2010/main" Requires="a14">
-          <p:sp>
-            <p:nvSpPr>
-              <p:cNvPr id="28" name="TextBox 27"/>
-              <p:cNvSpPr txBox="1"/>
-              <p:nvPr/>
-            </p:nvSpPr>
-            <p:spPr>
-              <a:xfrm>
-                <a:off x="3936632" y="1487147"/>
-                <a:ext cx="937349" cy="369332"/>
-              </a:xfrm>
-              <a:prstGeom prst="rect">
-                <a:avLst/>
-              </a:prstGeom>
-              <a:noFill/>
-            </p:spPr>
-            <p:txBody>
-              <a:bodyPr wrap="square" rtlCol="0">
-                <a:spAutoFit/>
-              </a:bodyPr>
-              <a:lstStyle/>
-              <a:p>
-                <a14:m>
-                  <m:oMathPara xmlns:m="http://schemas.openxmlformats.org/officeDocument/2006/math">
-                    <m:oMathParaPr>
-                      <m:jc m:val="centerGroup"/>
-                    </m:oMathParaPr>
-                    <m:oMath xmlns:m="http://schemas.openxmlformats.org/officeDocument/2006/math">
-                      <m:r>
-                        <a:rPr lang="en-GB" i="1" dirty="0" smtClean="0">
-                          <a:latin typeface="Cambria Math" panose="02040503050406030204" pitchFamily="18" charset="0"/>
-                        </a:rPr>
-                        <m:t>|</m:t>
-                      </m:r>
-                      <m:r>
-                        <a:rPr lang="en-GB" i="1" dirty="0" smtClean="0">
-                          <a:latin typeface="Cambria Math" panose="02040503050406030204" pitchFamily="18" charset="0"/>
-                        </a:rPr>
-                        <m:t>𝑍</m:t>
-                      </m:r>
-                      <m:r>
-                        <a:rPr lang="en-GB" i="1" dirty="0" smtClean="0">
-                          <a:latin typeface="Cambria Math" panose="02040503050406030204" pitchFamily="18" charset="0"/>
-                        </a:rPr>
-                        <m:t>(</m:t>
-                      </m:r>
-                      <m:r>
-                        <a:rPr lang="en-GB" i="1" dirty="0" err="1" smtClean="0">
-                          <a:latin typeface="Cambria Math" panose="02040503050406030204" pitchFamily="18" charset="0"/>
-                        </a:rPr>
-                        <m:t>𝑛</m:t>
-                      </m:r>
-                      <m:r>
-                        <a:rPr lang="en-GB" i="1" dirty="0" err="1" smtClean="0">
-                          <a:latin typeface="Cambria Math" panose="02040503050406030204" pitchFamily="18" charset="0"/>
-                        </a:rPr>
-                        <m:t>,</m:t>
-                      </m:r>
-                      <m:r>
-                        <a:rPr lang="en-GB" i="1" dirty="0" err="1" smtClean="0">
-                          <a:latin typeface="Cambria Math" panose="02040503050406030204" pitchFamily="18" charset="0"/>
-                        </a:rPr>
-                        <m:t>𝑘</m:t>
-                      </m:r>
-                      <m:r>
-                        <a:rPr lang="en-GB" i="1" dirty="0" smtClean="0">
-                          <a:latin typeface="Cambria Math" panose="02040503050406030204" pitchFamily="18" charset="0"/>
-                        </a:rPr>
-                        <m:t>)|</m:t>
-                      </m:r>
-                    </m:oMath>
-                  </m:oMathPara>
-                </a14:m>
-                <a:endParaRPr lang="en-GB" dirty="0"/>
-              </a:p>
-            </p:txBody>
-          </p:sp>
-        </mc:Choice>
-        <mc:Fallback>
-          <p:sp>
-            <p:nvSpPr>
-              <p:cNvPr id="28" name="TextBox 27"/>
-              <p:cNvSpPr txBox="1">
-                <a:spLocks noRot="1" noChangeAspect="1" noMove="1" noResize="1" noEditPoints="1" noAdjustHandles="1" noChangeArrowheads="1" noChangeShapeType="1" noTextEdit="1"/>
-              </p:cNvSpPr>
-              <p:nvPr/>
-            </p:nvSpPr>
-            <p:spPr>
-              <a:xfrm>
-                <a:off x="3936632" y="1487147"/>
-                <a:ext cx="937349" cy="369332"/>
-              </a:xfrm>
-              <a:prstGeom prst="rect">
-                <a:avLst/>
-              </a:prstGeom>
-              <a:blipFill rotWithShape="0">
-                <a:blip r:embed="rId5"/>
-                <a:stretch>
-                  <a:fillRect l="-1948" r="-10390" b="-11475"/>
-                </a:stretch>
-              </a:blipFill>
-            </p:spPr>
-            <p:txBody>
-              <a:bodyPr/>
-              <a:lstStyle/>
-              <a:p>
-                <a:r>
-                  <a:rPr lang="en-GB">
-                    <a:noFill/>
-                  </a:rPr>
-                  <a:t> </a:t>
-                </a:r>
-              </a:p>
-            </p:txBody>
-          </p:sp>
-        </mc:Fallback>
-      </mc:AlternateContent>
       <p:cxnSp>
         <p:nvCxnSpPr>
           <p:cNvPr id="37" name="Straight Arrow Connector 36"/>
@@ -3650,9 +3468,9 @@
           <p:nvPr/>
         </p:nvCxnSpPr>
         <p:spPr>
-          <a:xfrm>
-            <a:off x="4113566" y="3277097"/>
-            <a:ext cx="360000" cy="0"/>
+          <a:xfrm flipV="1">
+            <a:off x="3461824" y="3314168"/>
+            <a:ext cx="804851" cy="532"/>
           </a:xfrm>
           <a:prstGeom prst="straightConnector1">
             <a:avLst/>
@@ -3687,8 +3505,8 @@
         </p:nvSpPr>
         <p:spPr>
           <a:xfrm>
-            <a:off x="4473565" y="2756370"/>
-            <a:ext cx="1376781" cy="923330"/>
+            <a:off x="4266676" y="2756370"/>
+            <a:ext cx="1171994" cy="923330"/>
           </a:xfrm>
           <a:prstGeom prst="rect">
             <a:avLst/>
@@ -3708,9 +3526,10 @@
           <a:p>
             <a:pPr algn="ctr"/>
             <a:r>
-              <a:rPr lang="en-GB" dirty="0" smtClean="0"/>
-              <a:t>Modulation-domain speech LPCs</a:t>
-            </a:r>
+              <a:rPr lang="en-GB" dirty="0"/>
+              <a:t>Estimate noise power</a:t>
+            </a:r>
+            <a:endParaRPr lang="en-GB" dirty="0" smtClean="0"/>
           </a:p>
         </p:txBody>
       </p:sp>
@@ -3722,8 +3541,8 @@
         </p:nvCxnSpPr>
         <p:spPr>
           <a:xfrm>
-            <a:off x="4113566" y="4354884"/>
-            <a:ext cx="360000" cy="0"/>
+            <a:off x="3461824" y="4176396"/>
+            <a:ext cx="804851" cy="1"/>
           </a:xfrm>
           <a:prstGeom prst="straightConnector1">
             <a:avLst/>
@@ -3758,8 +3577,8 @@
         </p:nvSpPr>
         <p:spPr>
           <a:xfrm>
-            <a:off x="4473565" y="4030102"/>
-            <a:ext cx="1376781" cy="646331"/>
+            <a:off x="4266675" y="3862409"/>
+            <a:ext cx="2247591" cy="646331"/>
           </a:xfrm>
           <a:prstGeom prst="rect">
             <a:avLst/>
@@ -3780,8 +3599,17 @@
             <a:pPr algn="ctr"/>
             <a:r>
               <a:rPr lang="en-GB" dirty="0" smtClean="0"/>
-              <a:t>Estimate noise power</a:t>
-            </a:r>
+              <a:t>Modulation-domain </a:t>
+            </a:r>
+            <a:r>
+              <a:rPr lang="en-GB" dirty="0"/>
+              <a:t>speech </a:t>
+            </a:r>
+            <a:r>
+              <a:rPr lang="en-GB" dirty="0" smtClean="0"/>
+              <a:t>LPCs</a:t>
+            </a:r>
+            <a:endParaRPr lang="en-GB" dirty="0"/>
           </a:p>
         </p:txBody>
       </p:sp>
@@ -3793,8 +3621,8 @@
         </p:nvCxnSpPr>
         <p:spPr>
           <a:xfrm>
-            <a:off x="4113566" y="1850339"/>
-            <a:ext cx="0" cy="2496578"/>
+            <a:off x="3461824" y="1850339"/>
+            <a:ext cx="0" cy="1463829"/>
           </a:xfrm>
           <a:prstGeom prst="line">
             <a:avLst/>
@@ -3828,7 +3656,7 @@
         </p:nvSpPr>
         <p:spPr>
           <a:xfrm>
-            <a:off x="6210343" y="1253390"/>
+            <a:off x="6003453" y="1253390"/>
             <a:ext cx="1481865" cy="923330"/>
           </a:xfrm>
           <a:prstGeom prst="rect">
@@ -3871,7 +3699,7 @@
         </p:nvSpPr>
         <p:spPr>
           <a:xfrm>
-            <a:off x="6210344" y="2331934"/>
+            <a:off x="6003454" y="2331934"/>
             <a:ext cx="1481865" cy="369332"/>
           </a:xfrm>
           <a:prstGeom prst="rect">
@@ -3906,7 +3734,7 @@
         </p:nvCxnSpPr>
         <p:spPr>
           <a:xfrm flipV="1">
-            <a:off x="6790871" y="2701266"/>
+            <a:off x="6583981" y="2701266"/>
             <a:ext cx="0" cy="516769"/>
           </a:xfrm>
           <a:prstGeom prst="straightConnector1">
@@ -3917,41 +3745,6 @@
               <a:schemeClr val="tx1"/>
             </a:solidFill>
             <a:tailEnd type="triangle"/>
-          </a:ln>
-        </p:spPr>
-        <p:style>
-          <a:lnRef idx="1">
-            <a:schemeClr val="accent1"/>
-          </a:lnRef>
-          <a:fillRef idx="0">
-            <a:schemeClr val="accent1"/>
-          </a:fillRef>
-          <a:effectRef idx="0">
-            <a:schemeClr val="accent1"/>
-          </a:effectRef>
-          <a:fontRef idx="minor">
-            <a:schemeClr val="tx1"/>
-          </a:fontRef>
-        </p:style>
-      </p:cxnSp>
-      <p:cxnSp>
-        <p:nvCxnSpPr>
-          <p:cNvPr id="57" name="Straight Connector 56"/>
-          <p:cNvCxnSpPr/>
-          <p:nvPr/>
-        </p:nvCxnSpPr>
-        <p:spPr>
-          <a:xfrm flipV="1">
-            <a:off x="5850346" y="4346917"/>
-            <a:ext cx="1436914" cy="1"/>
-          </a:xfrm>
-          <a:prstGeom prst="line">
-            <a:avLst/>
-          </a:prstGeom>
-          <a:ln>
-            <a:solidFill>
-              <a:schemeClr val="tx1"/>
-            </a:solidFill>
           </a:ln>
         </p:spPr>
         <p:style>
@@ -3979,8 +3772,8 @@
         </p:nvCxnSpPr>
         <p:spPr>
           <a:xfrm>
-            <a:off x="5850346" y="3218035"/>
-            <a:ext cx="940525" cy="0"/>
+            <a:off x="5438670" y="3218035"/>
+            <a:ext cx="1145311" cy="0"/>
           </a:xfrm>
           <a:prstGeom prst="line">
             <a:avLst/>
@@ -4014,8 +3807,8 @@
         </p:nvCxnSpPr>
         <p:spPr>
           <a:xfrm flipH="1" flipV="1">
-            <a:off x="7285989" y="2694865"/>
-            <a:ext cx="636" cy="1658402"/>
+            <a:off x="7078259" y="2701266"/>
+            <a:ext cx="2" cy="1499900"/>
           </a:xfrm>
           <a:prstGeom prst="straightConnector1">
             <a:avLst/>
@@ -4042,8 +3835,8 @@
           </a:fontRef>
         </p:style>
       </p:cxnSp>
-      <mc:AlternateContent xmlns:mc="http://schemas.openxmlformats.org/markup-compatibility/2006">
-        <mc:Choice xmlns:a14="http://schemas.microsoft.com/office/drawing/2010/main" Requires="a14">
+      <mc:AlternateContent xmlns:mc="http://schemas.openxmlformats.org/markup-compatibility/2006" xmlns:a14="http://schemas.microsoft.com/office/drawing/2010/main">
+        <mc:Choice Requires="a14">
           <p:sp>
             <p:nvSpPr>
               <p:cNvPr id="73" name="TextBox 72"/>
@@ -4052,7 +3845,7 @@
             </p:nvSpPr>
             <p:spPr>
               <a:xfrm>
-                <a:off x="5963874" y="2848704"/>
+                <a:off x="7078259" y="3598006"/>
                 <a:ext cx="763177" cy="369332"/>
               </a:xfrm>
               <a:prstGeom prst="rect">
@@ -4066,6 +3859,7 @@
               </a:bodyPr>
               <a:lstStyle/>
               <a:p>
+                <a:pPr/>
                 <a14:m>
                   <m:oMathPara xmlns:m="http://schemas.openxmlformats.org/officeDocument/2006/math">
                     <m:oMathParaPr>
@@ -4104,7 +3898,7 @@
             </p:txBody>
           </p:sp>
         </mc:Choice>
-        <mc:Fallback>
+        <mc:Fallback xmlns="">
           <p:sp>
             <p:nvSpPr>
               <p:cNvPr id="73" name="TextBox 72"/>
@@ -4115,14 +3909,14 @@
             </p:nvSpPr>
             <p:spPr>
               <a:xfrm>
-                <a:off x="5963874" y="2848704"/>
+                <a:off x="7078259" y="3598006"/>
                 <a:ext cx="763177" cy="369332"/>
               </a:xfrm>
               <a:prstGeom prst="rect">
                 <a:avLst/>
               </a:prstGeom>
               <a:blipFill rotWithShape="0">
-                <a:blip r:embed="rId6"/>
+                <a:blip r:embed="rId5"/>
                 <a:stretch>
                   <a:fillRect b="-13115"/>
                 </a:stretch>
@@ -4143,8 +3937,8 @@
           </p:sp>
         </mc:Fallback>
       </mc:AlternateContent>
-      <mc:AlternateContent xmlns:mc="http://schemas.openxmlformats.org/markup-compatibility/2006">
-        <mc:Choice xmlns:a14="http://schemas.microsoft.com/office/drawing/2010/main" Requires="a14">
+      <mc:AlternateContent xmlns:mc="http://schemas.openxmlformats.org/markup-compatibility/2006" xmlns:a14="http://schemas.microsoft.com/office/drawing/2010/main">
+        <mc:Choice Requires="a14">
           <p:sp>
             <p:nvSpPr>
               <p:cNvPr id="74" name="TextBox 73"/>
@@ -4153,7 +3947,7 @@
             </p:nvSpPr>
             <p:spPr>
               <a:xfrm>
-                <a:off x="5957979" y="3167208"/>
+                <a:off x="7078260" y="3915747"/>
                 <a:ext cx="763177" cy="422552"/>
               </a:xfrm>
               <a:prstGeom prst="rect">
@@ -4167,6 +3961,7 @@
               </a:bodyPr>
               <a:lstStyle/>
               <a:p>
+                <a:pPr/>
                 <a14:m>
                   <m:oMathPara xmlns:m="http://schemas.openxmlformats.org/officeDocument/2006/math">
                     <m:oMathParaPr>
@@ -4233,7 +4028,7 @@
             </p:txBody>
           </p:sp>
         </mc:Choice>
-        <mc:Fallback>
+        <mc:Fallback xmlns="">
           <p:sp>
             <p:nvSpPr>
               <p:cNvPr id="74" name="TextBox 73"/>
@@ -4244,16 +4039,16 @@
             </p:nvSpPr>
             <p:spPr>
               <a:xfrm>
-                <a:off x="5957979" y="3167208"/>
+                <a:off x="7078260" y="3915747"/>
                 <a:ext cx="763177" cy="422552"/>
               </a:xfrm>
               <a:prstGeom prst="rect">
                 <a:avLst/>
               </a:prstGeom>
               <a:blipFill rotWithShape="0">
-                <a:blip r:embed="rId7"/>
+                <a:blip r:embed="rId6"/>
                 <a:stretch>
-                  <a:fillRect b="-8696"/>
+                  <a:fillRect b="-7143"/>
                 </a:stretch>
               </a:blipFill>
             </p:spPr>
@@ -4272,8 +4067,8 @@
           </p:sp>
         </mc:Fallback>
       </mc:AlternateContent>
-      <mc:AlternateContent xmlns:mc="http://schemas.openxmlformats.org/markup-compatibility/2006">
-        <mc:Choice xmlns:a14="http://schemas.microsoft.com/office/drawing/2010/main" Requires="a14">
+      <mc:AlternateContent xmlns:mc="http://schemas.openxmlformats.org/markup-compatibility/2006" xmlns:a14="http://schemas.microsoft.com/office/drawing/2010/main">
+        <mc:Choice Requires="a14">
           <p:sp>
             <p:nvSpPr>
               <p:cNvPr id="75" name="TextBox 74"/>
@@ -4282,7 +4077,7 @@
             </p:nvSpPr>
             <p:spPr>
               <a:xfrm>
-                <a:off x="6093461" y="3927541"/>
+                <a:off x="5396511" y="2808855"/>
                 <a:ext cx="763177" cy="422552"/>
               </a:xfrm>
               <a:prstGeom prst="rect">
@@ -4296,6 +4091,7 @@
               </a:bodyPr>
               <a:lstStyle/>
               <a:p>
+                <a:pPr/>
                 <a14:m>
                   <m:oMathPara xmlns:m="http://schemas.openxmlformats.org/officeDocument/2006/math">
                     <m:oMathParaPr>
@@ -4362,7 +4158,7 @@
             </p:txBody>
           </p:sp>
         </mc:Choice>
-        <mc:Fallback>
+        <mc:Fallback xmlns="">
           <p:sp>
             <p:nvSpPr>
               <p:cNvPr id="75" name="TextBox 74"/>
@@ -4373,16 +4169,16 @@
             </p:nvSpPr>
             <p:spPr>
               <a:xfrm>
-                <a:off x="6093461" y="3927541"/>
+                <a:off x="5396511" y="2808855"/>
                 <a:ext cx="763177" cy="422552"/>
               </a:xfrm>
               <a:prstGeom prst="rect">
                 <a:avLst/>
               </a:prstGeom>
               <a:blipFill rotWithShape="0">
-                <a:blip r:embed="rId8"/>
+                <a:blip r:embed="rId7"/>
                 <a:stretch>
-                  <a:fillRect b="-7143"/>
+                  <a:fillRect b="-8696"/>
                 </a:stretch>
               </a:blipFill>
             </p:spPr>
@@ -4409,7 +4205,7 @@
         </p:nvSpPr>
         <p:spPr>
           <a:xfrm>
-            <a:off x="7937543" y="1944435"/>
+            <a:off x="7730653" y="1944435"/>
             <a:ext cx="1663657" cy="369332"/>
           </a:xfrm>
           <a:prstGeom prst="rect">
@@ -4444,7 +4240,7 @@
         </p:nvCxnSpPr>
         <p:spPr>
           <a:xfrm flipH="1">
-            <a:off x="7699375" y="2536213"/>
+            <a:off x="7492485" y="2536213"/>
             <a:ext cx="1149350" cy="0"/>
           </a:xfrm>
           <a:prstGeom prst="straightConnector1">
@@ -4480,7 +4276,7 @@
         </p:nvCxnSpPr>
         <p:spPr>
           <a:xfrm>
-            <a:off x="8848725" y="2313767"/>
+            <a:off x="8641835" y="2313767"/>
             <a:ext cx="0" cy="222446"/>
           </a:xfrm>
           <a:prstGeom prst="line">
@@ -4517,7 +4313,7 @@
         </p:nvCxnSpPr>
         <p:spPr>
           <a:xfrm flipH="1">
-            <a:off x="5957979" y="2516600"/>
+            <a:off x="5751089" y="2516600"/>
             <a:ext cx="252365" cy="0"/>
           </a:xfrm>
           <a:prstGeom prst="line">
@@ -4552,7 +4348,7 @@
         </p:nvCxnSpPr>
         <p:spPr>
           <a:xfrm flipV="1">
-            <a:off x="5957979" y="1944435"/>
+            <a:off x="5751089" y="1944435"/>
             <a:ext cx="0" cy="572165"/>
           </a:xfrm>
           <a:prstGeom prst="line">
@@ -4587,7 +4383,7 @@
         </p:nvCxnSpPr>
         <p:spPr>
           <a:xfrm>
-            <a:off x="5957979" y="1944435"/>
+            <a:off x="5751089" y="1944435"/>
             <a:ext cx="252364" cy="0"/>
           </a:xfrm>
           <a:prstGeom prst="straightConnector1">
@@ -4615,8 +4411,8 @@
           </a:fontRef>
         </p:style>
       </p:cxnSp>
-      <mc:AlternateContent xmlns:mc="http://schemas.openxmlformats.org/markup-compatibility/2006">
-        <mc:Choice xmlns:a14="http://schemas.microsoft.com/office/drawing/2010/main" Requires="a14">
+      <mc:AlternateContent xmlns:mc="http://schemas.openxmlformats.org/markup-compatibility/2006" xmlns:a14="http://schemas.microsoft.com/office/drawing/2010/main">
+        <mc:Choice Requires="a14">
           <p:sp>
             <p:nvSpPr>
               <p:cNvPr id="107" name="TextBox 106"/>
@@ -4625,7 +4421,7 @@
             </p:nvSpPr>
             <p:spPr>
               <a:xfrm>
-                <a:off x="8070166" y="2531417"/>
+                <a:off x="7863276" y="2531417"/>
                 <a:ext cx="1952674" cy="369332"/>
               </a:xfrm>
               <a:prstGeom prst="rect">
@@ -4639,6 +4435,7 @@
               </a:bodyPr>
               <a:lstStyle/>
               <a:p>
+                <a:pPr/>
                 <a14:m>
                   <m:oMathPara xmlns:m="http://schemas.openxmlformats.org/officeDocument/2006/math">
                     <m:oMathParaPr>
@@ -4701,7 +4498,7 @@
             </p:txBody>
           </p:sp>
         </mc:Choice>
-        <mc:Fallback>
+        <mc:Fallback xmlns="">
           <p:sp>
             <p:nvSpPr>
               <p:cNvPr id="107" name="TextBox 106"/>
@@ -4712,14 +4509,14 @@
             </p:nvSpPr>
             <p:spPr>
               <a:xfrm>
-                <a:off x="8070166" y="2531417"/>
+                <a:off x="7863276" y="2531417"/>
                 <a:ext cx="1952674" cy="369332"/>
               </a:xfrm>
               <a:prstGeom prst="rect">
                 <a:avLst/>
               </a:prstGeom>
               <a:blipFill rotWithShape="0">
-                <a:blip r:embed="rId9"/>
+                <a:blip r:embed="rId8"/>
                 <a:stretch>
                   <a:fillRect b="-13115"/>
                 </a:stretch>
@@ -4740,8 +4537,8 @@
           </p:sp>
         </mc:Fallback>
       </mc:AlternateContent>
-      <mc:AlternateContent xmlns:mc="http://schemas.openxmlformats.org/markup-compatibility/2006">
-        <mc:Choice xmlns:a14="http://schemas.microsoft.com/office/drawing/2010/main" Requires="a14">
+      <mc:AlternateContent xmlns:mc="http://schemas.openxmlformats.org/markup-compatibility/2006" xmlns:a14="http://schemas.microsoft.com/office/drawing/2010/main">
+        <mc:Choice Requires="a14">
           <p:sp>
             <p:nvSpPr>
               <p:cNvPr id="108" name="TextBox 107"/>
@@ -4750,7 +4547,7 @@
             </p:nvSpPr>
             <p:spPr>
               <a:xfrm>
-                <a:off x="8089416" y="2797876"/>
+                <a:off x="7882526" y="2797876"/>
                 <a:ext cx="2245844" cy="369332"/>
               </a:xfrm>
               <a:prstGeom prst="rect">
@@ -4838,7 +4635,7 @@
             </p:txBody>
           </p:sp>
         </mc:Choice>
-        <mc:Fallback>
+        <mc:Fallback xmlns="">
           <p:sp>
             <p:nvSpPr>
               <p:cNvPr id="108" name="TextBox 107"/>
@@ -4849,14 +4646,14 @@
             </p:nvSpPr>
             <p:spPr>
               <a:xfrm>
-                <a:off x="8089416" y="2797876"/>
+                <a:off x="7882526" y="2797876"/>
                 <a:ext cx="2245844" cy="369332"/>
               </a:xfrm>
               <a:prstGeom prst="rect">
                 <a:avLst/>
               </a:prstGeom>
               <a:blipFill rotWithShape="0">
-                <a:blip r:embed="rId10"/>
+                <a:blip r:embed="rId9"/>
                 <a:stretch>
                   <a:fillRect l="-815" b="-11475"/>
                 </a:stretch>
@@ -4887,7 +4684,7 @@
             </p:nvSpPr>
             <p:spPr>
               <a:xfrm>
-                <a:off x="4453387" y="1913631"/>
+                <a:off x="4172355" y="1913631"/>
                 <a:ext cx="1526548" cy="369332"/>
               </a:xfrm>
               <a:prstGeom prst="rect">
@@ -4901,6 +4698,7 @@
               </a:bodyPr>
               <a:lstStyle/>
               <a:p>
+                <a:pPr/>
                 <a14:m>
                   <m:oMathPara xmlns:m="http://schemas.openxmlformats.org/officeDocument/2006/math">
                     <m:oMathParaPr>
@@ -4974,14 +4772,14 @@
             </p:nvSpPr>
             <p:spPr>
               <a:xfrm>
-                <a:off x="4453387" y="1913631"/>
+                <a:off x="4172355" y="1913631"/>
                 <a:ext cx="1526548" cy="369332"/>
               </a:xfrm>
               <a:prstGeom prst="rect">
                 <a:avLst/>
               </a:prstGeom>
               <a:blipFill rotWithShape="0">
-                <a:blip r:embed="rId11"/>
+                <a:blip r:embed="rId10"/>
                 <a:stretch>
                   <a:fillRect b="-11475"/>
                 </a:stretch>
@@ -5002,8 +4800,8 @@
           </p:sp>
         </mc:Fallback>
       </mc:AlternateContent>
-      <mc:AlternateContent xmlns:mc="http://schemas.openxmlformats.org/markup-compatibility/2006">
-        <mc:Choice xmlns:a14="http://schemas.microsoft.com/office/drawing/2010/main" Requires="a14">
+      <mc:AlternateContent xmlns:mc="http://schemas.openxmlformats.org/markup-compatibility/2006" xmlns:a14="http://schemas.microsoft.com/office/drawing/2010/main">
+        <mc:Choice Requires="a14">
           <p:sp>
             <p:nvSpPr>
               <p:cNvPr id="110" name="TextBox 109"/>
@@ -5012,7 +4810,7 @@
             </p:nvSpPr>
             <p:spPr>
               <a:xfrm>
-                <a:off x="4396437" y="2180090"/>
+                <a:off x="4189547" y="2180090"/>
                 <a:ext cx="1652029" cy="369332"/>
               </a:xfrm>
               <a:prstGeom prst="rect">
@@ -5094,7 +4892,7 @@
             </p:txBody>
           </p:sp>
         </mc:Choice>
-        <mc:Fallback>
+        <mc:Fallback xmlns="">
           <p:sp>
             <p:nvSpPr>
               <p:cNvPr id="110" name="TextBox 109"/>
@@ -5105,14 +4903,14 @@
             </p:nvSpPr>
             <p:spPr>
               <a:xfrm>
-                <a:off x="4396437" y="2180090"/>
+                <a:off x="4189547" y="2180090"/>
                 <a:ext cx="1652029" cy="369332"/>
               </a:xfrm>
               <a:prstGeom prst="rect">
                 <a:avLst/>
               </a:prstGeom>
               <a:blipFill rotWithShape="0">
-                <a:blip r:embed="rId12"/>
+                <a:blip r:embed="rId11"/>
                 <a:stretch>
                   <a:fillRect l="-1107" b="-13333"/>
                 </a:stretch>
@@ -5133,8 +4931,8 @@
           </p:sp>
         </mc:Fallback>
       </mc:AlternateContent>
-      <mc:AlternateContent xmlns:mc="http://schemas.openxmlformats.org/markup-compatibility/2006">
-        <mc:Choice xmlns:a14="http://schemas.microsoft.com/office/drawing/2010/main" Requires="a14">
+      <mc:AlternateContent xmlns:mc="http://schemas.openxmlformats.org/markup-compatibility/2006" xmlns:a14="http://schemas.microsoft.com/office/drawing/2010/main">
+        <mc:Choice Requires="a14">
           <p:sp>
             <p:nvSpPr>
               <p:cNvPr id="112" name="TextBox 111"/>
@@ -5143,7 +4941,7 @@
             </p:nvSpPr>
             <p:spPr>
               <a:xfrm>
-                <a:off x="7765185" y="1355389"/>
+                <a:off x="7558295" y="1355389"/>
                 <a:ext cx="2234462" cy="369332"/>
               </a:xfrm>
               <a:prstGeom prst="rect">
@@ -5206,13 +5004,7 @@
                       <a:rPr lang="en-GB" b="0" i="0" dirty="0" smtClean="0">
                         <a:latin typeface="Cambria Math" panose="02040503050406030204" pitchFamily="18" charset="0"/>
                       </a:rPr>
-                      <m:t>, </m:t>
-                    </m:r>
-                    <m:r>
-                      <a:rPr lang="en-GB" b="0" i="0" dirty="0" smtClean="0">
-                        <a:latin typeface="Cambria Math" panose="02040503050406030204" pitchFamily="18" charset="0"/>
-                      </a:rPr>
-                      <m:t>|</m:t>
+                      <m:t>, |</m:t>
                     </m:r>
                     <m:r>
                       <a:rPr lang="en-GB" b="0" i="1" dirty="0" smtClean="0">
@@ -5274,7 +5066,7 @@
             </p:txBody>
           </p:sp>
         </mc:Choice>
-        <mc:Fallback>
+        <mc:Fallback xmlns="">
           <p:sp>
             <p:nvSpPr>
               <p:cNvPr id="112" name="TextBox 111"/>
@@ -5285,14 +5077,14 @@
             </p:nvSpPr>
             <p:spPr>
               <a:xfrm>
-                <a:off x="7765185" y="1355389"/>
+                <a:off x="7558295" y="1355389"/>
                 <a:ext cx="2234462" cy="369332"/>
               </a:xfrm>
               <a:prstGeom prst="rect">
                 <a:avLst/>
               </a:prstGeom>
               <a:blipFill rotWithShape="0">
-                <a:blip r:embed="rId13"/>
+                <a:blip r:embed="rId12"/>
                 <a:stretch>
                   <a:fillRect b="-13115"/>
                 </a:stretch>
@@ -5321,7 +5113,7 @@
         </p:nvCxnSpPr>
         <p:spPr>
           <a:xfrm>
-            <a:off x="7692208" y="1702355"/>
+            <a:off x="7485318" y="1702355"/>
             <a:ext cx="1080000" cy="0"/>
           </a:xfrm>
           <a:prstGeom prst="line">
@@ -5355,9 +5147,9 @@
           <p:nvPr/>
         </p:nvCxnSpPr>
         <p:spPr>
-          <a:xfrm>
-            <a:off x="8769371" y="1696269"/>
-            <a:ext cx="2" cy="248166"/>
+          <a:xfrm flipH="1">
+            <a:off x="8562483" y="1702355"/>
+            <a:ext cx="0" cy="242080"/>
           </a:xfrm>
           <a:prstGeom prst="straightConnector1">
             <a:avLst/>
@@ -5387,13 +5179,15 @@
       <p:cxnSp>
         <p:nvCxnSpPr>
           <p:cNvPr id="131" name="Straight Connector 130"/>
-          <p:cNvCxnSpPr/>
+          <p:cNvCxnSpPr>
+            <a:endCxn id="5" idx="2"/>
+          </p:cNvCxnSpPr>
           <p:nvPr/>
         </p:nvCxnSpPr>
         <p:spPr>
           <a:xfrm flipV="1">
-            <a:off x="1676057" y="1717595"/>
-            <a:ext cx="0" cy="157418"/>
+            <a:off x="2690019" y="1664366"/>
+            <a:ext cx="0" cy="182573"/>
           </a:xfrm>
           <a:prstGeom prst="line">
             <a:avLst/>
@@ -5427,7 +5221,7 @@
         </p:nvCxnSpPr>
         <p:spPr>
           <a:xfrm>
-            <a:off x="7699375" y="1355389"/>
+            <a:off x="7492485" y="1355389"/>
             <a:ext cx="2536825" cy="0"/>
           </a:xfrm>
           <a:prstGeom prst="straightConnector1">
@@ -5463,7 +5257,7 @@
         </p:nvSpPr>
         <p:spPr>
           <a:xfrm>
-            <a:off x="10236200" y="743896"/>
+            <a:off x="10029310" y="743896"/>
             <a:ext cx="778476" cy="923330"/>
           </a:xfrm>
           <a:prstGeom prst="rect">
@@ -5498,8 +5292,8 @@
           </a:p>
         </p:txBody>
       </p:sp>
-      <mc:AlternateContent xmlns:mc="http://schemas.openxmlformats.org/markup-compatibility/2006">
-        <mc:Choice xmlns:a14="http://schemas.microsoft.com/office/drawing/2010/main" Requires="a14">
+      <mc:AlternateContent xmlns:mc="http://schemas.openxmlformats.org/markup-compatibility/2006" xmlns:a14="http://schemas.microsoft.com/office/drawing/2010/main">
+        <mc:Choice Requires="a14">
           <p:sp>
             <p:nvSpPr>
               <p:cNvPr id="140" name="TextBox 139"/>
@@ -5508,7 +5302,7 @@
             </p:nvSpPr>
             <p:spPr>
               <a:xfrm>
-                <a:off x="11028053" y="909458"/>
+                <a:off x="10821163" y="909458"/>
                 <a:ext cx="627017" cy="369332"/>
               </a:xfrm>
               <a:prstGeom prst="rect">
@@ -5522,6 +5316,7 @@
               </a:bodyPr>
               <a:lstStyle/>
               <a:p>
+                <a:pPr/>
                 <a14:m>
                   <m:oMathPara xmlns:m="http://schemas.openxmlformats.org/officeDocument/2006/math">
                     <m:oMathParaPr>
@@ -5572,7 +5367,7 @@
             </p:txBody>
           </p:sp>
         </mc:Choice>
-        <mc:Fallback>
+        <mc:Fallback xmlns="">
           <p:sp>
             <p:nvSpPr>
               <p:cNvPr id="140" name="TextBox 139"/>
@@ -5583,14 +5378,14 @@
             </p:nvSpPr>
             <p:spPr>
               <a:xfrm>
-                <a:off x="11028053" y="909458"/>
+                <a:off x="10821163" y="909458"/>
                 <a:ext cx="627017" cy="369332"/>
               </a:xfrm>
               <a:prstGeom prst="rect">
                 <a:avLst/>
               </a:prstGeom>
               <a:blipFill rotWithShape="0">
-                <a:blip r:embed="rId14"/>
+                <a:blip r:embed="rId13"/>
                 <a:stretch>
                   <a:fillRect t="-6557" r="-2913" b="-13115"/>
                 </a:stretch>
@@ -5619,7 +5414,7 @@
         </p:nvCxnSpPr>
         <p:spPr>
           <a:xfrm>
-            <a:off x="11023200" y="1261456"/>
+            <a:off x="10816310" y="1261456"/>
             <a:ext cx="627017" cy="0"/>
           </a:xfrm>
           <a:prstGeom prst="straightConnector1">
@@ -5647,6 +5442,143 @@
           </a:fontRef>
         </p:style>
       </p:cxnSp>
+      <p:cxnSp>
+        <p:nvCxnSpPr>
+          <p:cNvPr id="26" name="Straight Connector 25"/>
+          <p:cNvCxnSpPr/>
+          <p:nvPr/>
+        </p:nvCxnSpPr>
+        <p:spPr>
+          <a:xfrm flipH="1">
+            <a:off x="6517306" y="4204983"/>
+            <a:ext cx="561600" cy="0"/>
+          </a:xfrm>
+          <a:prstGeom prst="line">
+            <a:avLst/>
+          </a:prstGeom>
+          <a:ln>
+            <a:solidFill>
+              <a:schemeClr val="tx1"/>
+            </a:solidFill>
+          </a:ln>
+        </p:spPr>
+        <p:style>
+          <a:lnRef idx="1">
+            <a:schemeClr val="accent1"/>
+          </a:lnRef>
+          <a:fillRef idx="0">
+            <a:schemeClr val="accent1"/>
+          </a:fillRef>
+          <a:effectRef idx="0">
+            <a:schemeClr val="accent1"/>
+          </a:effectRef>
+          <a:fontRef idx="minor">
+            <a:schemeClr val="tx1"/>
+          </a:fontRef>
+        </p:style>
+      </p:cxnSp>
+      <mc:AlternateContent xmlns:mc="http://schemas.openxmlformats.org/markup-compatibility/2006" xmlns:a14="http://schemas.microsoft.com/office/drawing/2010/main">
+        <mc:Choice Requires="a14">
+          <p:sp>
+            <p:nvSpPr>
+              <p:cNvPr id="53" name="TextBox 52"/>
+              <p:cNvSpPr txBox="1"/>
+              <p:nvPr/>
+            </p:nvSpPr>
+            <p:spPr>
+              <a:xfrm>
+                <a:off x="3503499" y="3785216"/>
+                <a:ext cx="627017" cy="369332"/>
+              </a:xfrm>
+              <a:prstGeom prst="rect">
+                <a:avLst/>
+              </a:prstGeom>
+              <a:noFill/>
+            </p:spPr>
+            <p:txBody>
+              <a:bodyPr wrap="square" rtlCol="0">
+                <a:spAutoFit/>
+              </a:bodyPr>
+              <a:lstStyle/>
+              <a:p>
+                <a:pPr/>
+                <a14:m>
+                  <m:oMathPara xmlns:m="http://schemas.openxmlformats.org/officeDocument/2006/math">
+                    <m:oMathParaPr>
+                      <m:jc m:val="centerGroup"/>
+                    </m:oMathParaPr>
+                    <m:oMath xmlns:m="http://schemas.openxmlformats.org/officeDocument/2006/math">
+                      <m:r>
+                        <a:rPr lang="en-GB" b="0" i="1" dirty="0" smtClean="0">
+                          <a:latin typeface="Cambria Math" panose="02040503050406030204" pitchFamily="18" charset="0"/>
+                        </a:rPr>
+                        <m:t>𝑠</m:t>
+                      </m:r>
+                      <m:r>
+                        <a:rPr lang="en-GB" i="1" dirty="0" smtClean="0">
+                          <a:latin typeface="Cambria Math" panose="02040503050406030204" pitchFamily="18" charset="0"/>
+                        </a:rPr>
+                        <m:t>(</m:t>
+                      </m:r>
+                      <m:r>
+                        <a:rPr lang="en-GB" i="1" dirty="0" smtClean="0">
+                          <a:latin typeface="Cambria Math" panose="02040503050406030204" pitchFamily="18" charset="0"/>
+                        </a:rPr>
+                        <m:t>𝑛</m:t>
+                      </m:r>
+                      <m:r>
+                        <a:rPr lang="en-GB" i="1" dirty="0" smtClean="0">
+                          <a:latin typeface="Cambria Math" panose="02040503050406030204" pitchFamily="18" charset="0"/>
+                        </a:rPr>
+                        <m:t>)</m:t>
+                      </m:r>
+                    </m:oMath>
+                  </m:oMathPara>
+                </a14:m>
+                <a:endParaRPr lang="en-GB" i="1" dirty="0"/>
+              </a:p>
+            </p:txBody>
+          </p:sp>
+        </mc:Choice>
+        <mc:Fallback xmlns="">
+          <p:sp>
+            <p:nvSpPr>
+              <p:cNvPr id="53" name="TextBox 52"/>
+              <p:cNvSpPr txBox="1">
+                <a:spLocks noRot="1" noChangeAspect="1" noMove="1" noResize="1" noEditPoints="1" noAdjustHandles="1" noChangeArrowheads="1" noChangeShapeType="1" noTextEdit="1"/>
+              </p:cNvSpPr>
+              <p:nvPr/>
+            </p:nvSpPr>
+            <p:spPr>
+              <a:xfrm>
+                <a:off x="3503499" y="3785216"/>
+                <a:ext cx="627017" cy="369332"/>
+              </a:xfrm>
+              <a:prstGeom prst="rect">
+                <a:avLst/>
+              </a:prstGeom>
+              <a:blipFill rotWithShape="0">
+                <a:blip r:embed="rId14"/>
+                <a:stretch>
+                  <a:fillRect r="-2913" b="-11475"/>
+                </a:stretch>
+              </a:blipFill>
+            </p:spPr>
+            <p:txBody>
+              <a:bodyPr/>
+              <a:lstStyle/>
+              <a:p>
+                <a:r>
+                  <a:rPr lang="en-GB">
+                    <a:noFill/>
+                  </a:rPr>
+                  <a:t> </a:t>
+                </a:r>
+              </a:p>
+            </p:txBody>
+          </p:sp>
+        </mc:Fallback>
+      </mc:AlternateContent>
     </p:spTree>
     <p:extLst>
       <p:ext uri="{BB962C8B-B14F-4D97-AF65-F5344CB8AC3E}">
